--- a/Computer Graphics Chapter 10 Presentation.pptx
+++ b/Computer Graphics Chapter 10 Presentation.pptx
@@ -3809,42 +3809,6 @@
           </a:p>
         </p:txBody>
       </p:sp>
-      <p:pic>
-        <p:nvPicPr>
-          <p:cNvPr id="5" name="Picture 4" descr="A picture containing food&#10;&#10;Description automatically generated">
-            <a:extLst>
-              <a:ext uri="{FF2B5EF4-FFF2-40B4-BE49-F238E27FC236}">
-                <a16:creationId xmlns:a16="http://schemas.microsoft.com/office/drawing/2014/main" id="{E528DB24-DA73-4CE2-A632-9D3D971C6401}"/>
-              </a:ext>
-            </a:extLst>
-          </p:cNvPr>
-          <p:cNvPicPr>
-            <a:picLocks noChangeAspect="1"/>
-          </p:cNvPicPr>
-          <p:nvPr/>
-        </p:nvPicPr>
-        <p:blipFill>
-          <a:blip r:embed="rId2">
-            <a:extLst>
-              <a:ext uri="{28A0092B-C50C-407E-A947-70E740481C1C}">
-                <a14:useLocalDpi xmlns:a14="http://schemas.microsoft.com/office/drawing/2010/main" val="0"/>
-              </a:ext>
-            </a:extLst>
-          </a:blip>
-          <a:stretch>
-            <a:fillRect/>
-          </a:stretch>
-        </p:blipFill>
-        <p:spPr>
-          <a:xfrm>
-            <a:off x="6262" y="0"/>
-            <a:ext cx="12179475" cy="6858000"/>
-          </a:xfrm>
-          <a:prstGeom prst="rect">
-            <a:avLst/>
-          </a:prstGeom>
-        </p:spPr>
-      </p:pic>
       <p:sp>
         <p:nvSpPr>
           <p:cNvPr id="2" name="Title 1">
